--- a/Install OpenSim.pptx
+++ b/Install OpenSim.pptx
@@ -214,7 +214,7 @@
           <a:p>
             <a:fld id="{F7A1039E-EE92-470C-9F77-AB74ED7484C0}" type="datetimeFigureOut">
               <a:rPr lang="fr-FR" smtClean="0"/>
-              <a:t>19/11/2017</a:t>
+              <a:t>21/11/2017</a:t>
             </a:fld>
             <a:endParaRPr lang="fr-FR"/>
           </a:p>
@@ -831,7 +831,7 @@
           <a:p>
             <a:fld id="{AA309A6D-C09C-4548-B29A-6CF363A7E532}" type="datetimeFigureOut">
               <a:rPr lang="fr-FR" smtClean="0"/>
-              <a:t>19/11/2017</a:t>
+              <a:t>21/11/2017</a:t>
             </a:fld>
             <a:endParaRPr lang="fr-BE"/>
           </a:p>
@@ -1001,7 +1001,7 @@
           <a:p>
             <a:fld id="{AA309A6D-C09C-4548-B29A-6CF363A7E532}" type="datetimeFigureOut">
               <a:rPr lang="fr-FR" smtClean="0"/>
-              <a:t>19/11/2017</a:t>
+              <a:t>21/11/2017</a:t>
             </a:fld>
             <a:endParaRPr lang="fr-BE"/>
           </a:p>
@@ -1181,7 +1181,7 @@
           <a:p>
             <a:fld id="{AA309A6D-C09C-4548-B29A-6CF363A7E532}" type="datetimeFigureOut">
               <a:rPr lang="fr-FR" smtClean="0"/>
-              <a:t>19/11/2017</a:t>
+              <a:t>21/11/2017</a:t>
             </a:fld>
             <a:endParaRPr lang="fr-BE"/>
           </a:p>
@@ -1351,7 +1351,7 @@
           <a:p>
             <a:fld id="{AA309A6D-C09C-4548-B29A-6CF363A7E532}" type="datetimeFigureOut">
               <a:rPr lang="fr-FR" smtClean="0"/>
-              <a:t>19/11/2017</a:t>
+              <a:t>21/11/2017</a:t>
             </a:fld>
             <a:endParaRPr lang="fr-BE"/>
           </a:p>
@@ -1597,7 +1597,7 @@
           <a:p>
             <a:fld id="{AA309A6D-C09C-4548-B29A-6CF363A7E532}" type="datetimeFigureOut">
               <a:rPr lang="fr-FR" smtClean="0"/>
-              <a:t>19/11/2017</a:t>
+              <a:t>21/11/2017</a:t>
             </a:fld>
             <a:endParaRPr lang="fr-BE"/>
           </a:p>
@@ -1885,7 +1885,7 @@
           <a:p>
             <a:fld id="{AA309A6D-C09C-4548-B29A-6CF363A7E532}" type="datetimeFigureOut">
               <a:rPr lang="fr-FR" smtClean="0"/>
-              <a:t>19/11/2017</a:t>
+              <a:t>21/11/2017</a:t>
             </a:fld>
             <a:endParaRPr lang="fr-BE"/>
           </a:p>
@@ -2307,7 +2307,7 @@
           <a:p>
             <a:fld id="{AA309A6D-C09C-4548-B29A-6CF363A7E532}" type="datetimeFigureOut">
               <a:rPr lang="fr-FR" smtClean="0"/>
-              <a:t>19/11/2017</a:t>
+              <a:t>21/11/2017</a:t>
             </a:fld>
             <a:endParaRPr lang="fr-BE"/>
           </a:p>
@@ -2425,7 +2425,7 @@
           <a:p>
             <a:fld id="{AA309A6D-C09C-4548-B29A-6CF363A7E532}" type="datetimeFigureOut">
               <a:rPr lang="fr-FR" smtClean="0"/>
-              <a:t>19/11/2017</a:t>
+              <a:t>21/11/2017</a:t>
             </a:fld>
             <a:endParaRPr lang="fr-BE"/>
           </a:p>
@@ -2520,7 +2520,7 @@
           <a:p>
             <a:fld id="{AA309A6D-C09C-4548-B29A-6CF363A7E532}" type="datetimeFigureOut">
               <a:rPr lang="fr-FR" smtClean="0"/>
-              <a:t>19/11/2017</a:t>
+              <a:t>21/11/2017</a:t>
             </a:fld>
             <a:endParaRPr lang="fr-BE"/>
           </a:p>
@@ -2797,7 +2797,7 @@
           <a:p>
             <a:fld id="{AA309A6D-C09C-4548-B29A-6CF363A7E532}" type="datetimeFigureOut">
               <a:rPr lang="fr-FR" smtClean="0"/>
-              <a:t>19/11/2017</a:t>
+              <a:t>21/11/2017</a:t>
             </a:fld>
             <a:endParaRPr lang="fr-BE"/>
           </a:p>
@@ -3050,7 +3050,7 @@
           <a:p>
             <a:fld id="{AA309A6D-C09C-4548-B29A-6CF363A7E532}" type="datetimeFigureOut">
               <a:rPr lang="fr-FR" smtClean="0"/>
-              <a:t>19/11/2017</a:t>
+              <a:t>21/11/2017</a:t>
             </a:fld>
             <a:endParaRPr lang="fr-BE"/>
           </a:p>
@@ -3263,7 +3263,7 @@
           <a:p>
             <a:fld id="{AA309A6D-C09C-4548-B29A-6CF363A7E532}" type="datetimeFigureOut">
               <a:rPr lang="fr-FR" smtClean="0"/>
-              <a:t>19/11/2017</a:t>
+              <a:t>21/11/2017</a:t>
             </a:fld>
             <a:endParaRPr lang="fr-BE"/>
           </a:p>
@@ -7385,34 +7385,6 @@
               <a:t>sdk</a:t>
             </a:r>
             <a:endParaRPr lang="en-GB" dirty="0"/>
-          </a:p>
-        </p:txBody>
-      </p:sp>
-      <p:sp>
-        <p:nvSpPr>
-          <p:cNvPr id="6" name="Rectangle 5"/>
-          <p:cNvSpPr/>
-          <p:nvPr/>
-        </p:nvSpPr>
-        <p:spPr>
-          <a:xfrm>
-            <a:off x="8316416" y="5877272"/>
-            <a:ext cx="2318520" cy="369332"/>
-          </a:xfrm>
-          <a:prstGeom prst="rect">
-            <a:avLst/>
-          </a:prstGeom>
-        </p:spPr>
-        <p:txBody>
-          <a:bodyPr wrap="none">
-            <a:spAutoFit/>
-          </a:bodyPr>
-          <a:lstStyle/>
-          <a:p>
-            <a:r>
-              <a:rPr lang="en-US" dirty="0"/>
-              <a:t>python setup.py install</a:t>
-            </a:r>
           </a:p>
         </p:txBody>
       </p:sp>
@@ -9956,11 +9928,7 @@
             </a:r>
             <a:r>
               <a:rPr lang="en-GB" dirty="0" smtClean="0"/>
-              <a:t> repository</a:t>
-            </a:r>
-            <a:r>
-              <a:rPr lang="en-GB" dirty="0" smtClean="0"/>
-              <a:t>:</a:t>
+              <a:t> repository:</a:t>
             </a:r>
             <a:endParaRPr lang="en-GB" dirty="0"/>
           </a:p>
@@ -15927,7 +15895,11 @@
             <a:pPr algn="ctr"/>
             <a:r>
               <a:rPr lang="en-US" sz="2800" dirty="0" smtClean="0"/>
-              <a:t>Install the python libraries needed</a:t>
+              <a:t>Install the python </a:t>
+            </a:r>
+            <a:r>
+              <a:rPr lang="en-US" sz="2800" dirty="0" smtClean="0"/>
+              <a:t>libraries</a:t>
             </a:r>
             <a:endParaRPr lang="en-US" sz="2800" dirty="0"/>
           </a:p>
@@ -15980,9 +15952,18 @@
               <a:t>matpoltlib</a:t>
             </a:r>
             <a:r>
+              <a:rPr lang="en-GB" dirty="0"/>
+              <a:t> </a:t>
+            </a:r>
+            <a:r>
               <a:rPr lang="en-GB" dirty="0" smtClean="0"/>
-              <a:t>, pandas, </a:t>
+              <a:t>and</a:t>
             </a:r>
+            <a:r>
+              <a:rPr lang="en-GB" dirty="0" smtClean="0"/>
+              <a:t> pandas </a:t>
+            </a:r>
+            <a:endParaRPr lang="en-GB" dirty="0" smtClean="0"/>
           </a:p>
         </p:txBody>
       </p:sp>
@@ -16009,8 +15990,8 @@
         </p:blipFill>
         <p:spPr bwMode="auto">
           <a:xfrm>
-            <a:off x="2549362" y="2636912"/>
-            <a:ext cx="6451366" cy="4025652"/>
+            <a:off x="3626377" y="2636912"/>
+            <a:ext cx="5412789" cy="3377580"/>
           </a:xfrm>
           <a:prstGeom prst="rect">
             <a:avLst/>
@@ -16058,8 +16039,8 @@
         </p:nvSpPr>
         <p:spPr>
           <a:xfrm>
-            <a:off x="4903563" y="6181181"/>
-            <a:ext cx="1512168" cy="344163"/>
+            <a:off x="5883958" y="5589240"/>
+            <a:ext cx="1132889" cy="344163"/>
           </a:xfrm>
           <a:prstGeom prst="ellipse">
             <a:avLst/>
@@ -16111,8 +16092,8 @@
         </p:nvSpPr>
         <p:spPr>
           <a:xfrm>
-            <a:off x="120694" y="3834130"/>
-            <a:ext cx="2347260" cy="1631216"/>
+            <a:off x="35496" y="3192806"/>
+            <a:ext cx="3947251" cy="2554545"/>
           </a:xfrm>
           <a:prstGeom prst="rect">
             <a:avLst/>
@@ -16139,6 +16120,41 @@
             <a:endParaRPr lang="en-US" sz="2000" dirty="0" smtClean="0"/>
           </a:p>
           <a:p>
+            <a:r>
+              <a:rPr lang="en-US" sz="2000" dirty="0" smtClean="0"/>
+              <a:t>(</a:t>
+            </a:r>
+            <a:r>
+              <a:rPr lang="en-US" sz="2000" dirty="0" err="1" smtClean="0"/>
+              <a:t>py</a:t>
+            </a:r>
+            <a:r>
+              <a:rPr lang="en-US" sz="2000" dirty="0" smtClean="0"/>
+              <a:t> </a:t>
+            </a:r>
+            <a:r>
+              <a:rPr lang="en-US" sz="2000" dirty="0"/>
+              <a:t>-</a:t>
+            </a:r>
+            <a:r>
+              <a:rPr lang="en-US" sz="2000" dirty="0" smtClean="0"/>
+              <a:t>2.7 –m pip </a:t>
+            </a:r>
+            <a:r>
+              <a:rPr lang="en-US" sz="2000" dirty="0"/>
+              <a:t>install </a:t>
+            </a:r>
+            <a:r>
+              <a:rPr lang="en-US" sz="2000" dirty="0" err="1" smtClean="0"/>
+              <a:t>numpy</a:t>
+            </a:r>
+            <a:r>
+              <a:rPr lang="en-US" sz="2000" dirty="0" smtClean="0"/>
+              <a:t>)</a:t>
+            </a:r>
+            <a:endParaRPr lang="en-US" sz="2000" dirty="0"/>
+          </a:p>
+          <a:p>
             <a:endParaRPr lang="en-US" sz="2000" dirty="0"/>
           </a:p>
           <a:p>
@@ -16157,6 +16173,37 @@
             <a:endParaRPr lang="en-US" sz="2000" dirty="0" smtClean="0"/>
           </a:p>
           <a:p>
+            <a:r>
+              <a:rPr lang="en-US" sz="2000" dirty="0"/>
+              <a:t>(</a:t>
+            </a:r>
+            <a:r>
+              <a:rPr lang="en-US" sz="2000" dirty="0" err="1"/>
+              <a:t>py</a:t>
+            </a:r>
+            <a:r>
+              <a:rPr lang="en-US" sz="2000" dirty="0"/>
+              <a:t> -2.7 </a:t>
+            </a:r>
+            <a:r>
+              <a:rPr lang="en-US" sz="2000" dirty="0" smtClean="0"/>
+              <a:t>–m pip </a:t>
+            </a:r>
+            <a:r>
+              <a:rPr lang="en-US" sz="2000" dirty="0"/>
+              <a:t>install </a:t>
+            </a:r>
+            <a:r>
+              <a:rPr lang="en-US" sz="2000" dirty="0" err="1" smtClean="0"/>
+              <a:t>Matplotlib</a:t>
+            </a:r>
+            <a:r>
+              <a:rPr lang="en-US" sz="2000" dirty="0" smtClean="0"/>
+              <a:t>)</a:t>
+            </a:r>
+            <a:endParaRPr lang="en-US" sz="2000" dirty="0"/>
+          </a:p>
+          <a:p>
             <a:endParaRPr lang="en-US" sz="2000" dirty="0"/>
           </a:p>
           <a:p>
@@ -16166,9 +16213,39 @@
             </a:r>
             <a:r>
               <a:rPr lang="en-US" sz="2000" dirty="0" smtClean="0"/>
-              <a:t>ip install pandas</a:t>
+              <a:t>ip install </a:t>
             </a:r>
-            <a:endParaRPr lang="en-GB" sz="2000" dirty="0"/>
+            <a:r>
+              <a:rPr lang="en-US" sz="2000" dirty="0" smtClean="0"/>
+              <a:t>pandas</a:t>
+            </a:r>
+          </a:p>
+          <a:p>
+            <a:r>
+              <a:rPr lang="en-US" sz="2000" dirty="0"/>
+              <a:t>(</a:t>
+            </a:r>
+            <a:r>
+              <a:rPr lang="en-US" sz="2000" dirty="0" err="1"/>
+              <a:t>py</a:t>
+            </a:r>
+            <a:r>
+              <a:rPr lang="en-US" sz="2000" dirty="0"/>
+              <a:t> -2.7 </a:t>
+            </a:r>
+            <a:r>
+              <a:rPr lang="en-US" sz="2000" dirty="0" smtClean="0"/>
+              <a:t>–m pip </a:t>
+            </a:r>
+            <a:r>
+              <a:rPr lang="en-US" sz="2000" dirty="0"/>
+              <a:t>install pandas</a:t>
+            </a:r>
+            <a:r>
+              <a:rPr lang="en-US" sz="2000" dirty="0" smtClean="0"/>
+              <a:t>)</a:t>
+            </a:r>
+            <a:endParaRPr lang="en-US" sz="2000" dirty="0"/>
           </a:p>
         </p:txBody>
       </p:sp>
@@ -16180,7 +16257,7 @@
         </p:nvSpPr>
         <p:spPr>
           <a:xfrm>
-            <a:off x="6415731" y="3933056"/>
+            <a:off x="6828034" y="3698239"/>
             <a:ext cx="1512168" cy="344163"/>
           </a:xfrm>
           <a:prstGeom prst="ellipse">
@@ -16233,7 +16310,7 @@
         </p:nvCxnSpPr>
         <p:spPr>
           <a:xfrm flipV="1">
-            <a:off x="2467954" y="4277219"/>
+            <a:off x="2987824" y="4277219"/>
             <a:ext cx="3832238" cy="528876"/>
           </a:xfrm>
           <a:prstGeom prst="straightConnector1">
@@ -16864,7 +16941,6 @@
               <a:rPr lang="en-US" dirty="0" smtClean="0"/>
               <a:t>Create your login and password to download it</a:t>
             </a:r>
-            <a:endParaRPr lang="en-US" dirty="0" smtClean="0"/>
           </a:p>
           <a:p>
             <a:endParaRPr lang="en-US" dirty="0" smtClean="0"/>
